--- a/3ПКС-120/_Сети_Лаб_/Лаб_7_ФилимоноАлёнаДмитриевна_3ПКС-120.pptx
+++ b/3ПКС-120/_Сети_Лаб_/Лаб_7_ФилимоноАлёнаДмитриевна_3ПКС-120.pptx
@@ -118,6 +118,11 @@
       </a:defRPr>
     </a:lvl9pPr>
   </p:defaultTextStyle>
+  <p:extLst>
+    <p:ext uri="{EFAFB233-063F-42B5-8137-9DF3F51BA10A}">
+      <p15:sldGuideLst xmlns:p15="http://schemas.microsoft.com/office/powerpoint/2012/main"/>
+    </p:ext>
+  </p:extLst>
 </p:presentation>
 </file>
 
@@ -347,7 +352,7 @@
           <a:p>
             <a:fld id="{9299AF18-E952-4029-A5F6-B5F238706465}" type="datetimeFigureOut">
               <a:rPr lang="ru-RU" smtClean="0"/>
-              <a:t>27.03.23</a:t>
+              <a:t>05.10.2023</a:t>
             </a:fld>
             <a:endParaRPr lang="ru-RU"/>
           </a:p>
@@ -555,7 +560,7 @@
           <a:p>
             <a:fld id="{9299AF18-E952-4029-A5F6-B5F238706465}" type="datetimeFigureOut">
               <a:rPr lang="ru-RU" smtClean="0"/>
-              <a:t>27.03.23</a:t>
+              <a:t>05.10.2023</a:t>
             </a:fld>
             <a:endParaRPr lang="ru-RU"/>
           </a:p>
@@ -811,7 +816,7 @@
           <a:p>
             <a:fld id="{9299AF18-E952-4029-A5F6-B5F238706465}" type="datetimeFigureOut">
               <a:rPr lang="ru-RU" smtClean="0"/>
-              <a:t>27.03.23</a:t>
+              <a:t>05.10.2023</a:t>
             </a:fld>
             <a:endParaRPr lang="ru-RU"/>
           </a:p>
@@ -985,7 +990,7 @@
           <a:p>
             <a:fld id="{9299AF18-E952-4029-A5F6-B5F238706465}" type="datetimeFigureOut">
               <a:rPr lang="ru-RU" smtClean="0"/>
-              <a:t>27.03.23</a:t>
+              <a:t>05.10.2023</a:t>
             </a:fld>
             <a:endParaRPr lang="ru-RU"/>
           </a:p>
@@ -1328,7 +1333,7 @@
           <a:p>
             <a:fld id="{9299AF18-E952-4029-A5F6-B5F238706465}" type="datetimeFigureOut">
               <a:rPr lang="ru-RU" smtClean="0"/>
-              <a:t>27.03.23</a:t>
+              <a:t>05.10.2023</a:t>
             </a:fld>
             <a:endParaRPr lang="ru-RU"/>
           </a:p>
@@ -1603,7 +1608,7 @@
           <a:p>
             <a:fld id="{9299AF18-E952-4029-A5F6-B5F238706465}" type="datetimeFigureOut">
               <a:rPr lang="ru-RU" smtClean="0"/>
-              <a:t>27.03.23</a:t>
+              <a:t>05.10.2023</a:t>
             </a:fld>
             <a:endParaRPr lang="ru-RU"/>
           </a:p>
@@ -1982,7 +1987,7 @@
           <a:p>
             <a:fld id="{9299AF18-E952-4029-A5F6-B5F238706465}" type="datetimeFigureOut">
               <a:rPr lang="ru-RU" smtClean="0"/>
-              <a:t>27.03.23</a:t>
+              <a:t>05.10.2023</a:t>
             </a:fld>
             <a:endParaRPr lang="ru-RU"/>
           </a:p>
@@ -2100,7 +2105,7 @@
           <a:p>
             <a:fld id="{9299AF18-E952-4029-A5F6-B5F238706465}" type="datetimeFigureOut">
               <a:rPr lang="ru-RU" smtClean="0"/>
-              <a:t>27.03.23</a:t>
+              <a:t>05.10.2023</a:t>
             </a:fld>
             <a:endParaRPr lang="ru-RU"/>
           </a:p>
@@ -2271,7 +2276,7 @@
           <a:p>
             <a:fld id="{9299AF18-E952-4029-A5F6-B5F238706465}" type="datetimeFigureOut">
               <a:rPr lang="ru-RU" smtClean="0"/>
-              <a:t>27.03.23</a:t>
+              <a:t>05.10.2023</a:t>
             </a:fld>
             <a:endParaRPr lang="ru-RU"/>
           </a:p>
@@ -2625,7 +2630,7 @@
           <a:p>
             <a:fld id="{9299AF18-E952-4029-A5F6-B5F238706465}" type="datetimeFigureOut">
               <a:rPr lang="ru-RU" smtClean="0"/>
-              <a:t>27.03.23</a:t>
+              <a:t>05.10.2023</a:t>
             </a:fld>
             <a:endParaRPr lang="ru-RU"/>
           </a:p>
@@ -3007,7 +3012,7 @@
           <a:p>
             <a:fld id="{9299AF18-E952-4029-A5F6-B5F238706465}" type="datetimeFigureOut">
               <a:rPr lang="ru-RU" smtClean="0"/>
-              <a:t>27.03.23</a:t>
+              <a:t>05.10.2023</a:t>
             </a:fld>
             <a:endParaRPr lang="ru-RU"/>
           </a:p>
@@ -3294,7 +3299,7 @@
           <a:p>
             <a:fld id="{9299AF18-E952-4029-A5F6-B5F238706465}" type="datetimeFigureOut">
               <a:rPr lang="ru-RU" smtClean="0"/>
-              <a:t>27.03.23</a:t>
+              <a:t>05.10.2023</a:t>
             </a:fld>
             <a:endParaRPr lang="ru-RU"/>
           </a:p>
@@ -3976,21 +3981,21 @@
                 <a:gridCol w="3505200">
                   <a:extLst>
                     <a:ext uri="{9D8B030D-6E8A-4147-A177-3AD203B41FA5}">
-                      <a16:colId xmlns:a16="http://schemas.microsoft.com/office/drawing/2014/main" val="3356145809"/>
+                      <a16:colId xmlns:a16="http://schemas.microsoft.com/office/drawing/2014/main" xmlns="" val="3356145809"/>
                     </a:ext>
                   </a:extLst>
                 </a:gridCol>
                 <a:gridCol w="3505200">
                   <a:extLst>
                     <a:ext uri="{9D8B030D-6E8A-4147-A177-3AD203B41FA5}">
-                      <a16:colId xmlns:a16="http://schemas.microsoft.com/office/drawing/2014/main" val="3623808125"/>
+                      <a16:colId xmlns:a16="http://schemas.microsoft.com/office/drawing/2014/main" xmlns="" val="3623808125"/>
                     </a:ext>
                   </a:extLst>
                 </a:gridCol>
                 <a:gridCol w="3505200">
                   <a:extLst>
                     <a:ext uri="{9D8B030D-6E8A-4147-A177-3AD203B41FA5}">
-                      <a16:colId xmlns:a16="http://schemas.microsoft.com/office/drawing/2014/main" val="1254622836"/>
+                      <a16:colId xmlns:a16="http://schemas.microsoft.com/office/drawing/2014/main" xmlns="" val="1254622836"/>
                     </a:ext>
                   </a:extLst>
                 </a:gridCol>
@@ -4237,7 +4242,7 @@
                 </a:tc>
                 <a:extLst>
                   <a:ext uri="{0D108BD9-81ED-4DB2-BD59-A6C34878D82A}">
-                    <a16:rowId xmlns:a16="http://schemas.microsoft.com/office/drawing/2014/main" val="3887297096"/>
+                    <a16:rowId xmlns:a16="http://schemas.microsoft.com/office/drawing/2014/main" xmlns="" val="3887297096"/>
                   </a:ext>
                 </a:extLst>
               </a:tr>
@@ -4286,7 +4291,7 @@
                 </a:tc>
                 <a:extLst>
                   <a:ext uri="{0D108BD9-81ED-4DB2-BD59-A6C34878D82A}">
-                    <a16:rowId xmlns:a16="http://schemas.microsoft.com/office/drawing/2014/main" val="2441079875"/>
+                    <a16:rowId xmlns:a16="http://schemas.microsoft.com/office/drawing/2014/main" xmlns="" val="2441079875"/>
                   </a:ext>
                 </a:extLst>
               </a:tr>
@@ -6918,21 +6923,21 @@
                 <a:gridCol w="3505200">
                   <a:extLst>
                     <a:ext uri="{9D8B030D-6E8A-4147-A177-3AD203B41FA5}">
-                      <a16:colId xmlns:a16="http://schemas.microsoft.com/office/drawing/2014/main" val="2126908722"/>
+                      <a16:colId xmlns:a16="http://schemas.microsoft.com/office/drawing/2014/main" xmlns="" val="2126908722"/>
                     </a:ext>
                   </a:extLst>
                 </a:gridCol>
                 <a:gridCol w="3505200">
                   <a:extLst>
                     <a:ext uri="{9D8B030D-6E8A-4147-A177-3AD203B41FA5}">
-                      <a16:colId xmlns:a16="http://schemas.microsoft.com/office/drawing/2014/main" val="2914425321"/>
+                      <a16:colId xmlns:a16="http://schemas.microsoft.com/office/drawing/2014/main" xmlns="" val="2914425321"/>
                     </a:ext>
                   </a:extLst>
                 </a:gridCol>
                 <a:gridCol w="3505200">
                   <a:extLst>
                     <a:ext uri="{9D8B030D-6E8A-4147-A177-3AD203B41FA5}">
-                      <a16:colId xmlns:a16="http://schemas.microsoft.com/office/drawing/2014/main" val="996172112"/>
+                      <a16:colId xmlns:a16="http://schemas.microsoft.com/office/drawing/2014/main" xmlns="" val="996172112"/>
                     </a:ext>
                   </a:extLst>
                 </a:gridCol>
@@ -7180,7 +7185,7 @@
                 </a:tc>
                 <a:extLst>
                   <a:ext uri="{0D108BD9-81ED-4DB2-BD59-A6C34878D82A}">
-                    <a16:rowId xmlns:a16="http://schemas.microsoft.com/office/drawing/2014/main" val="1123316625"/>
+                    <a16:rowId xmlns:a16="http://schemas.microsoft.com/office/drawing/2014/main" xmlns="" val="1123316625"/>
                   </a:ext>
                 </a:extLst>
               </a:tr>
